--- a/materials/ch07/ch07-配置小程序服务端.pptx
+++ b/materials/ch07/ch07-配置小程序服务端.pptx
@@ -319,7 +319,7 @@
           <a:p>
             <a:fld id="{BBF6169D-416D-4C06-B08B-5CE62A641987}" type="datetimeFigureOut">
               <a:rPr lang="zh-CN" altLang="en-US" smtClean="0"/>
-              <a:t>2019/9/15</a:t>
+              <a:t>2019/9/16</a:t>
             </a:fld>
             <a:endParaRPr lang="zh-CN" altLang="en-US"/>
           </a:p>
@@ -517,7 +517,7 @@
           <a:p>
             <a:fld id="{BBF6169D-416D-4C06-B08B-5CE62A641987}" type="datetimeFigureOut">
               <a:rPr lang="zh-CN" altLang="en-US" smtClean="0"/>
-              <a:t>2019/9/15</a:t>
+              <a:t>2019/9/16</a:t>
             </a:fld>
             <a:endParaRPr lang="zh-CN" altLang="en-US"/>
           </a:p>
@@ -725,7 +725,7 @@
           <a:p>
             <a:fld id="{BBF6169D-416D-4C06-B08B-5CE62A641987}" type="datetimeFigureOut">
               <a:rPr lang="zh-CN" altLang="en-US" smtClean="0"/>
-              <a:t>2019/9/15</a:t>
+              <a:t>2019/9/16</a:t>
             </a:fld>
             <a:endParaRPr lang="zh-CN" altLang="en-US"/>
           </a:p>
@@ -923,7 +923,7 @@
           <a:p>
             <a:fld id="{BBF6169D-416D-4C06-B08B-5CE62A641987}" type="datetimeFigureOut">
               <a:rPr lang="zh-CN" altLang="en-US" smtClean="0"/>
-              <a:t>2019/9/15</a:t>
+              <a:t>2019/9/16</a:t>
             </a:fld>
             <a:endParaRPr lang="zh-CN" altLang="en-US"/>
           </a:p>
@@ -1198,7 +1198,7 @@
           <a:p>
             <a:fld id="{BBF6169D-416D-4C06-B08B-5CE62A641987}" type="datetimeFigureOut">
               <a:rPr lang="zh-CN" altLang="en-US" smtClean="0"/>
-              <a:t>2019/9/15</a:t>
+              <a:t>2019/9/16</a:t>
             </a:fld>
             <a:endParaRPr lang="zh-CN" altLang="en-US"/>
           </a:p>
@@ -1463,7 +1463,7 @@
           <a:p>
             <a:fld id="{BBF6169D-416D-4C06-B08B-5CE62A641987}" type="datetimeFigureOut">
               <a:rPr lang="zh-CN" altLang="en-US" smtClean="0"/>
-              <a:t>2019/9/15</a:t>
+              <a:t>2019/9/16</a:t>
             </a:fld>
             <a:endParaRPr lang="zh-CN" altLang="en-US"/>
           </a:p>
@@ -1875,7 +1875,7 @@
           <a:p>
             <a:fld id="{BBF6169D-416D-4C06-B08B-5CE62A641987}" type="datetimeFigureOut">
               <a:rPr lang="zh-CN" altLang="en-US" smtClean="0"/>
-              <a:t>2019/9/15</a:t>
+              <a:t>2019/9/16</a:t>
             </a:fld>
             <a:endParaRPr lang="zh-CN" altLang="en-US"/>
           </a:p>
@@ -2016,7 +2016,7 @@
           <a:p>
             <a:fld id="{BBF6169D-416D-4C06-B08B-5CE62A641987}" type="datetimeFigureOut">
               <a:rPr lang="zh-CN" altLang="en-US" smtClean="0"/>
-              <a:t>2019/9/15</a:t>
+              <a:t>2019/9/16</a:t>
             </a:fld>
             <a:endParaRPr lang="zh-CN" altLang="en-US"/>
           </a:p>
@@ -2129,7 +2129,7 @@
           <a:p>
             <a:fld id="{BBF6169D-416D-4C06-B08B-5CE62A641987}" type="datetimeFigureOut">
               <a:rPr lang="zh-CN" altLang="en-US" smtClean="0"/>
-              <a:t>2019/9/15</a:t>
+              <a:t>2019/9/16</a:t>
             </a:fld>
             <a:endParaRPr lang="zh-CN" altLang="en-US"/>
           </a:p>
@@ -2440,7 +2440,7 @@
           <a:p>
             <a:fld id="{BBF6169D-416D-4C06-B08B-5CE62A641987}" type="datetimeFigureOut">
               <a:rPr lang="zh-CN" altLang="en-US" smtClean="0"/>
-              <a:t>2019/9/15</a:t>
+              <a:t>2019/9/16</a:t>
             </a:fld>
             <a:endParaRPr lang="zh-CN" altLang="en-US"/>
           </a:p>
@@ -2728,7 +2728,7 @@
           <a:p>
             <a:fld id="{BBF6169D-416D-4C06-B08B-5CE62A641987}" type="datetimeFigureOut">
               <a:rPr lang="zh-CN" altLang="en-US" smtClean="0"/>
-              <a:t>2019/9/15</a:t>
+              <a:t>2019/9/16</a:t>
             </a:fld>
             <a:endParaRPr lang="zh-CN" altLang="en-US"/>
           </a:p>
@@ -2969,7 +2969,7 @@
           <a:p>
             <a:fld id="{BBF6169D-416D-4C06-B08B-5CE62A641987}" type="datetimeFigureOut">
               <a:rPr lang="zh-CN" altLang="en-US" smtClean="0"/>
-              <a:t>2019/9/15</a:t>
+              <a:t>2019/9/16</a:t>
             </a:fld>
             <a:endParaRPr lang="zh-CN" altLang="en-US"/>
           </a:p>
@@ -4882,8 +4882,17 @@
               <a:rPr lang="en-US" altLang="zh-CN" dirty="0">
                 <a:latin typeface="Noto Mono" panose="020B0609030804020204" pitchFamily="49" charset="0"/>
               </a:rPr>
-              <a:t>    location {</a:t>
-            </a:r>
+              <a:t>    </a:t>
+            </a:r>
+            <a:r>
+              <a:rPr lang="en-US" altLang="zh-CN">
+                <a:latin typeface="Noto Mono" panose="020B0609030804020204" pitchFamily="49" charset="0"/>
+              </a:rPr>
+              <a:t>location / {</a:t>
+            </a:r>
+            <a:endParaRPr lang="en-US" altLang="zh-CN" dirty="0">
+              <a:latin typeface="Noto Mono" panose="020B0609030804020204" pitchFamily="49" charset="0"/>
+            </a:endParaRPr>
           </a:p>
           <a:p>
             <a:r>
